--- a/CHECKPOINT.pptx
+++ b/CHECKPOINT.pptx
@@ -10,6 +10,8 @@
     <p:sldId id="257" r:id="rId4"/>
     <p:sldId id="259" r:id="rId5"/>
     <p:sldId id="260" r:id="rId6"/>
+    <p:sldId id="262" r:id="rId7"/>
+    <p:sldId id="261" r:id="rId8"/>
   </p:sldIdLst>
   <p:sldSz cx="9144000" cy="6858000" type="screen4x3"/>
   <p:notesSz cx="6858000" cy="9144000"/>
@@ -4755,15 +4757,7 @@
           <a:p>
             <a:r>
               <a:rPr lang="fr-FR" dirty="0" smtClean="0"/>
-              <a:t>web </a:t>
-            </a:r>
-            <a:r>
-              <a:rPr lang="fr-FR" dirty="0" err="1" smtClean="0"/>
-              <a:t>servive</a:t>
-            </a:r>
-            <a:r>
-              <a:rPr lang="fr-FR" dirty="0" smtClean="0"/>
-              <a:t> Api : </a:t>
+              <a:t>web service Api : </a:t>
             </a:r>
             <a:r>
               <a:rPr lang="fr-FR" dirty="0" err="1" smtClean="0"/>
@@ -5245,9 +5239,242 @@
         </p:nvSpPr>
         <p:spPr/>
         <p:txBody>
-          <a:bodyPr/>
-          <a:lstStyle/>
-          <a:p>
+          <a:bodyPr>
+            <a:normAutofit fontScale="77500" lnSpcReduction="20000"/>
+          </a:bodyPr>
+          <a:lstStyle/>
+          <a:p>
+            <a:r>
+              <a:rPr lang="en-US" dirty="0" smtClean="0"/>
+              <a:t>Web developers need a combination of graphic design skills and technical computers.</a:t>
+            </a:r>
+          </a:p>
+          <a:p>
+            <a:r>
+              <a:rPr lang="en-US" dirty="0" smtClean="0"/>
+              <a:t>Knowing how to use CMS  </a:t>
+            </a:r>
+            <a:r>
+              <a:rPr lang="en-US" dirty="0" smtClean="0"/>
+              <a:t>Or </a:t>
+            </a:r>
+            <a:r>
+              <a:rPr lang="en-US" b="1" dirty="0" smtClean="0"/>
+              <a:t>Hard Coding</a:t>
+            </a:r>
+            <a:r>
+              <a:rPr lang="en-US" dirty="0" smtClean="0"/>
+              <a:t> that requires specific skills and knowledge of programming languages. </a:t>
+            </a:r>
+            <a:endParaRPr lang="en-US" dirty="0" smtClean="0"/>
+          </a:p>
+          <a:p>
+            <a:pPr lvl="1">
+              <a:buNone/>
+            </a:pPr>
+            <a:endParaRPr lang="en-US" dirty="0" smtClean="0"/>
+          </a:p>
+          <a:p>
+            <a:pPr lvl="1">
+              <a:buNone/>
+            </a:pPr>
+            <a:r>
+              <a:rPr lang="en-US" dirty="0" smtClean="0"/>
+              <a:t>Basic knowledge:</a:t>
+            </a:r>
+          </a:p>
+          <a:p>
+            <a:pPr lvl="2">
+              <a:buNone/>
+            </a:pPr>
+            <a:r>
+              <a:rPr lang="en-US" dirty="0" err="1" smtClean="0"/>
+              <a:t>cms</a:t>
+            </a:r>
+            <a:r>
+              <a:rPr lang="en-US" dirty="0" smtClean="0"/>
+              <a:t>, html, </a:t>
+            </a:r>
+            <a:r>
+              <a:rPr lang="en-US" dirty="0" err="1" smtClean="0"/>
+              <a:t>css</a:t>
+            </a:r>
+            <a:r>
+              <a:rPr lang="en-US" dirty="0" smtClean="0"/>
+              <a:t>, </a:t>
+            </a:r>
+            <a:r>
+              <a:rPr lang="en-US" dirty="0" err="1" smtClean="0"/>
+              <a:t>javascript</a:t>
+            </a:r>
+            <a:r>
+              <a:rPr lang="en-US" dirty="0" smtClean="0"/>
+              <a:t>, text editor, </a:t>
+            </a:r>
+            <a:r>
+              <a:rPr lang="fr-FR" dirty="0" smtClean="0"/>
+              <a:t>(Git &amp; </a:t>
+            </a:r>
+            <a:r>
+              <a:rPr lang="fr-FR" dirty="0" err="1" smtClean="0"/>
+              <a:t>Github</a:t>
+            </a:r>
+            <a:r>
+              <a:rPr lang="fr-FR" dirty="0" smtClean="0"/>
+              <a:t>).</a:t>
+            </a:r>
+          </a:p>
+          <a:p>
+            <a:pPr lvl="1">
+              <a:buNone/>
+            </a:pPr>
+            <a:r>
+              <a:rPr lang="en-US" b="1" dirty="0" smtClean="0"/>
+              <a:t>Front-end web developers</a:t>
+            </a:r>
+            <a:r>
+              <a:rPr lang="fr-FR" dirty="0" smtClean="0"/>
+              <a:t> : </a:t>
+            </a:r>
+          </a:p>
+          <a:p>
+            <a:pPr lvl="2">
+              <a:buNone/>
+            </a:pPr>
+            <a:r>
+              <a:rPr lang="fr-FR" dirty="0" smtClean="0"/>
+              <a:t>node.js, </a:t>
+            </a:r>
+            <a:r>
+              <a:rPr lang="fr-FR" dirty="0" err="1" smtClean="0"/>
+              <a:t>Jquery</a:t>
+            </a:r>
+            <a:r>
+              <a:rPr lang="fr-FR" dirty="0" smtClean="0"/>
+              <a:t>, </a:t>
+            </a:r>
+            <a:r>
+              <a:rPr lang="fr-FR" dirty="0" err="1" smtClean="0"/>
+              <a:t>entityframework</a:t>
+            </a:r>
+            <a:r>
+              <a:rPr lang="fr-FR" dirty="0" smtClean="0"/>
+              <a:t> (</a:t>
+            </a:r>
+            <a:r>
+              <a:rPr lang="fr-FR" dirty="0" err="1" smtClean="0"/>
+              <a:t>react</a:t>
+            </a:r>
+            <a:r>
+              <a:rPr lang="fr-FR" dirty="0" smtClean="0"/>
+              <a:t>,  vue, angulaire).</a:t>
+            </a:r>
+          </a:p>
+          <a:p>
+            <a:pPr lvl="1">
+              <a:buNone/>
+            </a:pPr>
+            <a:r>
+              <a:rPr lang="en-US" b="1" dirty="0" smtClean="0"/>
+              <a:t>Back-end web developers</a:t>
+            </a:r>
+            <a:r>
+              <a:rPr lang="fr-FR" dirty="0" smtClean="0"/>
+              <a:t> : </a:t>
+            </a:r>
+          </a:p>
+          <a:p>
+            <a:pPr lvl="2">
+              <a:buNone/>
+            </a:pPr>
+            <a:r>
+              <a:rPr lang="fr-FR" dirty="0" smtClean="0"/>
+              <a:t>langages( c# , java, </a:t>
+            </a:r>
+            <a:r>
+              <a:rPr lang="fr-FR" dirty="0" err="1" smtClean="0"/>
+              <a:t>php</a:t>
+            </a:r>
+            <a:r>
+              <a:rPr lang="fr-FR" dirty="0" smtClean="0"/>
+              <a:t>, python), SQL </a:t>
+            </a:r>
+            <a:r>
+              <a:rPr lang="fr-FR" dirty="0" err="1" smtClean="0"/>
+              <a:t>language</a:t>
+            </a:r>
+            <a:r>
+              <a:rPr lang="fr-FR" dirty="0" smtClean="0"/>
+              <a:t>(</a:t>
+            </a:r>
+            <a:r>
+              <a:rPr lang="fr-FR" dirty="0" err="1" smtClean="0"/>
+              <a:t>mysql</a:t>
+            </a:r>
+            <a:r>
+              <a:rPr lang="fr-FR" dirty="0" smtClean="0"/>
+              <a:t>, </a:t>
+            </a:r>
+            <a:r>
+              <a:rPr lang="fr-FR" dirty="0" err="1" smtClean="0"/>
+              <a:t>sql</a:t>
+            </a:r>
+            <a:r>
+              <a:rPr lang="fr-FR" dirty="0" smtClean="0"/>
+              <a:t> server, </a:t>
+            </a:r>
+            <a:r>
+              <a:rPr lang="fr-FR" dirty="0" err="1" smtClean="0"/>
+              <a:t>Sqlite</a:t>
+            </a:r>
+            <a:r>
+              <a:rPr lang="fr-FR" dirty="0" smtClean="0"/>
+              <a:t>..), </a:t>
+            </a:r>
+            <a:r>
+              <a:rPr lang="fr-FR" dirty="0" err="1" smtClean="0"/>
+              <a:t>Json</a:t>
+            </a:r>
+            <a:r>
+              <a:rPr lang="fr-FR" dirty="0" smtClean="0"/>
+              <a:t>, Ajax.</a:t>
+            </a:r>
+          </a:p>
+          <a:p>
+            <a:pPr lvl="1">
+              <a:buNone/>
+            </a:pPr>
+            <a:r>
+              <a:rPr lang="en-US" b="1" dirty="0" smtClean="0"/>
+              <a:t>Full-stack developers </a:t>
+            </a:r>
+            <a:r>
+              <a:rPr lang="fr-FR" dirty="0" smtClean="0"/>
+              <a:t>: </a:t>
+            </a:r>
+          </a:p>
+          <a:p>
+            <a:pPr lvl="2">
+              <a:buNone/>
+            </a:pPr>
+            <a:r>
+              <a:rPr lang="fr-FR" dirty="0" smtClean="0"/>
+              <a:t>web api, web service api, </a:t>
+            </a:r>
+            <a:r>
+              <a:rPr lang="fr-FR" dirty="0" err="1" smtClean="0"/>
+              <a:t>devops</a:t>
+            </a:r>
+            <a:r>
+              <a:rPr lang="fr-FR" dirty="0" smtClean="0"/>
+              <a:t>.</a:t>
+            </a:r>
+            <a:endParaRPr lang="en-US" dirty="0" smtClean="0"/>
+          </a:p>
+          <a:p>
+            <a:pPr>
+              <a:buNone/>
+            </a:pPr>
             <a:endParaRPr lang="fr-FR" dirty="0"/>
           </a:p>
         </p:txBody>
@@ -5300,7 +5527,15 @@
             </a:r>
             <a:r>
               <a:rPr lang="en-US" i="1" dirty="0" smtClean="0"/>
-              <a:t>is the role of a web developer.</a:t>
+              <a:t>is the role of a web </a:t>
+            </a:r>
+            <a:r>
+              <a:rPr lang="en-US" i="1" dirty="0" smtClean="0"/>
+              <a:t>developer</a:t>
+            </a:r>
+            <a:r>
+              <a:rPr lang="en-US" i="1" dirty="0" smtClean="0"/>
+              <a:t>?</a:t>
             </a:r>
             <a:endParaRPr lang="fr-FR" dirty="0"/>
           </a:p>
@@ -5318,10 +5553,238 @@
         </p:nvSpPr>
         <p:spPr/>
         <p:txBody>
-          <a:bodyPr/>
-          <a:lstStyle/>
-          <a:p>
-            <a:endParaRPr lang="fr-FR"/>
+          <a:bodyPr>
+            <a:normAutofit/>
+          </a:bodyPr>
+          <a:lstStyle/>
+          <a:p>
+            <a:r>
+              <a:rPr lang="en-US" dirty="0" smtClean="0"/>
+              <a:t>A web developer’s job is to create websites. While their primary role is to ensure the website is visually appealing and easy to navigate, many web developers are also responsible for the website’s performance and capacity. </a:t>
+            </a:r>
+            <a:endParaRPr lang="en-US" dirty="0" smtClean="0"/>
+          </a:p>
+          <a:p>
+            <a:r>
+              <a:rPr lang="en-US" dirty="0" smtClean="0"/>
+              <a:t>Respect the request of the client : graphic design, functionality, responsive  design, performance , capacity , SEO, control, quality etc.</a:t>
+            </a:r>
+          </a:p>
+          <a:p>
+            <a:endParaRPr lang="en-US" dirty="0" smtClean="0"/>
+          </a:p>
+        </p:txBody>
+      </p:sp>
+    </p:spTree>
+  </p:cSld>
+  <p:clrMapOvr>
+    <a:masterClrMapping/>
+  </p:clrMapOvr>
+</p:sld>
+</file>
+
+<file path=ppt/slides/slide6.xml><?xml version="1.0" encoding="utf-8"?>
+<p:sld xmlns:a="http://schemas.openxmlformats.org/drawingml/2006/main" xmlns:r="http://schemas.openxmlformats.org/officeDocument/2006/relationships" xmlns:p="http://schemas.openxmlformats.org/presentationml/2006/main">
+  <p:cSld>
+    <p:spTree>
+      <p:nvGrpSpPr>
+        <p:cNvPr id="1" name=""/>
+        <p:cNvGrpSpPr/>
+        <p:nvPr/>
+      </p:nvGrpSpPr>
+      <p:grpSpPr>
+        <a:xfrm>
+          <a:off x="0" y="0"/>
+          <a:ext cx="0" cy="0"/>
+          <a:chOff x="0" y="0"/>
+          <a:chExt cx="0" cy="0"/>
+        </a:xfrm>
+      </p:grpSpPr>
+      <p:sp>
+        <p:nvSpPr>
+          <p:cNvPr id="3" name="Espace réservé du contenu 2"/>
+          <p:cNvSpPr>
+            <a:spLocks noGrp="1"/>
+          </p:cNvSpPr>
+          <p:nvPr>
+            <p:ph idx="1"/>
+          </p:nvPr>
+        </p:nvSpPr>
+        <p:spPr>
+          <a:xfrm>
+            <a:off x="457200" y="787520"/>
+            <a:ext cx="8229600" cy="5737824"/>
+          </a:xfrm>
+        </p:spPr>
+        <p:txBody>
+          <a:bodyPr>
+            <a:normAutofit lnSpcReduction="10000"/>
+          </a:bodyPr>
+          <a:lstStyle/>
+          <a:p>
+            <a:r>
+              <a:rPr lang="en-US" b="1" dirty="0" smtClean="0"/>
+              <a:t>Back-end web developers</a:t>
+            </a:r>
+            <a:r>
+              <a:rPr lang="en-US" dirty="0" smtClean="0"/>
+              <a:t> create the website’s structure, write code, and verify the code works. </a:t>
+            </a:r>
+          </a:p>
+          <a:p>
+            <a:r>
+              <a:rPr lang="en-US" b="1" dirty="0" smtClean="0"/>
+              <a:t>Front-end web developers</a:t>
+            </a:r>
+            <a:r>
+              <a:rPr lang="en-US" dirty="0" smtClean="0"/>
+              <a:t> work on the visual part of the </a:t>
+            </a:r>
+            <a:r>
+              <a:rPr lang="en-US" dirty="0" smtClean="0"/>
+              <a:t>website (the </a:t>
+            </a:r>
+            <a:r>
+              <a:rPr lang="en-US" dirty="0" smtClean="0"/>
+              <a:t>user interface). They design the physical layout of each page, integrate graphics, and use HTML and JavaScript to enhance the site</a:t>
+            </a:r>
+            <a:r>
+              <a:rPr lang="en-US" dirty="0" smtClean="0"/>
+              <a:t>.</a:t>
+            </a:r>
+            <a:endParaRPr lang="en-US" dirty="0" smtClean="0"/>
+          </a:p>
+          <a:p>
+            <a:r>
+              <a:rPr lang="en-US" b="1" dirty="0" smtClean="0"/>
+              <a:t>Full-stack developers</a:t>
+            </a:r>
+            <a:r>
+              <a:rPr lang="en-US" dirty="0" smtClean="0"/>
+              <a:t> do the work of both a back-end and front-end developer. </a:t>
+            </a:r>
+          </a:p>
+          <a:p>
+            <a:r>
+              <a:rPr lang="en-US" b="1" dirty="0" smtClean="0"/>
+              <a:t>Webmasters</a:t>
+            </a:r>
+            <a:r>
+              <a:rPr lang="en-US" dirty="0" smtClean="0"/>
+              <a:t> are essentially website managers. Their primary responsibility is to keep the website updated, ensuring that the links and applications on each page work properly</a:t>
+            </a:r>
+            <a:r>
+              <a:rPr lang="en-US" dirty="0" smtClean="0"/>
+              <a:t>.</a:t>
+            </a:r>
+            <a:endParaRPr lang="en-US" dirty="0" smtClean="0"/>
+          </a:p>
+        </p:txBody>
+      </p:sp>
+    </p:spTree>
+  </p:cSld>
+  <p:clrMapOvr>
+    <a:masterClrMapping/>
+  </p:clrMapOvr>
+</p:sld>
+</file>
+
+<file path=ppt/slides/slide7.xml><?xml version="1.0" encoding="utf-8"?>
+<p:sld xmlns:a="http://schemas.openxmlformats.org/drawingml/2006/main" xmlns:r="http://schemas.openxmlformats.org/officeDocument/2006/relationships" xmlns:p="http://schemas.openxmlformats.org/presentationml/2006/main">
+  <p:cSld>
+    <p:spTree>
+      <p:nvGrpSpPr>
+        <p:cNvPr id="1" name=""/>
+        <p:cNvGrpSpPr/>
+        <p:nvPr/>
+      </p:nvGrpSpPr>
+      <p:grpSpPr>
+        <a:xfrm>
+          <a:off x="0" y="0"/>
+          <a:ext cx="0" cy="0"/>
+          <a:chOff x="0" y="0"/>
+          <a:chExt cx="0" cy="0"/>
+        </a:xfrm>
+      </p:grpSpPr>
+      <p:sp>
+        <p:nvSpPr>
+          <p:cNvPr id="3" name="Espace réservé du contenu 2"/>
+          <p:cNvSpPr>
+            <a:spLocks noGrp="1"/>
+          </p:cNvSpPr>
+          <p:nvPr>
+            <p:ph idx="1"/>
+          </p:nvPr>
+        </p:nvSpPr>
+        <p:spPr>
+          <a:xfrm>
+            <a:off x="467544" y="908720"/>
+            <a:ext cx="8229600" cy="5400600"/>
+          </a:xfrm>
+        </p:spPr>
+        <p:txBody>
+          <a:bodyPr>
+            <a:normAutofit/>
+          </a:bodyPr>
+          <a:lstStyle/>
+          <a:p>
+            <a:r>
+              <a:rPr lang="en-US" dirty="0" smtClean="0"/>
+              <a:t>Web developer tasks and responsibilities:</a:t>
+            </a:r>
+            <a:endParaRPr lang="en-US" dirty="0" smtClean="0"/>
+          </a:p>
+          <a:p>
+            <a:pPr lvl="1"/>
+            <a:r>
+              <a:rPr lang="en-US" dirty="0" smtClean="0"/>
+              <a:t>Designing </a:t>
+            </a:r>
+            <a:r>
+              <a:rPr lang="en-US" dirty="0" smtClean="0"/>
+              <a:t>user interfaces and navigation menus</a:t>
+            </a:r>
+          </a:p>
+          <a:p>
+            <a:pPr lvl="1"/>
+            <a:r>
+              <a:rPr lang="en-US" dirty="0" smtClean="0"/>
+              <a:t>Writing and reviewing code for sites, typically HTML, XML, or JavaScript</a:t>
+            </a:r>
+          </a:p>
+          <a:p>
+            <a:pPr lvl="1"/>
+            <a:r>
+              <a:rPr lang="en-US" dirty="0" smtClean="0"/>
+              <a:t>Integrating multimedia content onto a site</a:t>
+            </a:r>
+          </a:p>
+          <a:p>
+            <a:pPr lvl="1"/>
+            <a:r>
+              <a:rPr lang="en-US" dirty="0" smtClean="0"/>
+              <a:t>Testing web applications</a:t>
+            </a:r>
+          </a:p>
+          <a:p>
+            <a:pPr lvl="1"/>
+            <a:r>
+              <a:rPr lang="en-US" dirty="0" smtClean="0"/>
+              <a:t>Troubleshooting problems with performance or user experience</a:t>
+            </a:r>
+          </a:p>
+          <a:p>
+            <a:pPr lvl="1"/>
+            <a:r>
+              <a:rPr lang="en-US" dirty="0" smtClean="0"/>
+              <a:t>Collaborating with designers, developers, and stakeholders</a:t>
+            </a:r>
+          </a:p>
+          <a:p>
+            <a:endParaRPr lang="fr-FR" dirty="0" smtClean="0"/>
+          </a:p>
+          <a:p>
+            <a:endParaRPr lang="fr-FR" dirty="0"/>
           </a:p>
         </p:txBody>
       </p:sp>
